--- a/docs/slides/Presentation ofc.pptx
+++ b/docs/slides/Presentation ofc.pptx
@@ -14372,8 +14372,8 @@
         </p:nvSpPr>
         <p:spPr>
           <a:xfrm>
-            <a:off x="4813275" y="1521525"/>
-            <a:ext cx="4084500" cy="3156300"/>
+            <a:off x="4813274" y="1521525"/>
+            <a:ext cx="4179585" cy="3156300"/>
           </a:xfrm>
           <a:prstGeom prst="rect">
             <a:avLst/>
@@ -14395,10 +14395,10 @@
               <a:buNone/>
             </a:pPr>
             <a:r>
-              <a:rPr lang="en" b="1"/>
+              <a:rPr lang="en" b="1" dirty="0"/>
               <a:t>Use cases:</a:t>
             </a:r>
-            <a:endParaRPr b="1"/>
+            <a:endParaRPr b="1" dirty="0"/>
           </a:p>
           <a:p>
             <a:pPr marL="457200" lvl="0" indent="-342900" algn="l" rtl="0">
@@ -14412,10 +14412,18 @@
               <a:buChar char="●"/>
             </a:pPr>
             <a:r>
+              <a:rPr lang="en" dirty="0"/>
+              <a:t>Medical analysis, hospitals sharing </a:t>
+            </a:r>
+            <a:r>
               <a:rPr lang="en"/>
-              <a:t>SQL data analysis (hospitals, universities)</a:t>
+              <a:t>patient dataFederate </a:t>
             </a:r>
-            <a:endParaRPr/>
+            <a:r>
+              <a:rPr lang="en" dirty="0"/>
+              <a:t>Machine Learning  (Predictive maintenance for airlines)</a:t>
+            </a:r>
+            <a:endParaRPr dirty="0"/>
           </a:p>
           <a:p>
             <a:pPr marL="457200" lvl="0" indent="-342900" algn="l" rtl="0">
@@ -14423,33 +14431,16 @@
                 <a:spcPts val="1600"/>
               </a:spcBef>
               <a:spcAft>
-                <a:spcPts val="0"/>
+                <a:spcPts val="1600"/>
               </a:spcAft>
               <a:buSzPts val="1800"/>
               <a:buChar char="●"/>
             </a:pPr>
             <a:r>
-              <a:rPr lang="en"/>
-              <a:t>Federate Machine Learning  (airlines, predictive maintenance)</a:t>
-            </a:r>
-            <a:endParaRPr/>
-          </a:p>
-          <a:p>
-            <a:pPr marL="457200" lvl="0" indent="-342900" algn="l" rtl="0">
-              <a:spcBef>
-                <a:spcPts val="1600"/>
-              </a:spcBef>
-              <a:spcAft>
-                <a:spcPts val="1600"/>
-              </a:spcAft>
-              <a:buSzPts val="1800"/>
-              <a:buChar char="●"/>
-            </a:pPr>
-            <a:r>
-              <a:rPr lang="en"/>
+              <a:rPr lang="en" dirty="0"/>
               <a:t>Sharing anonymous sensor data (smart buildings)</a:t>
             </a:r>
-            <a:endParaRPr/>
+            <a:endParaRPr dirty="0"/>
           </a:p>
         </p:txBody>
       </p:sp>
